--- a/results/rgf_proton_analysis_11841.pptx
+++ b/results/rgf_proton_analysis_11841.pptx
@@ -7,9 +7,8 @@
   <p:sldIdLst>
     <p:sldId id="256" r:id="rId2"/>
     <p:sldId id="258" r:id="rId3"/>
-    <p:sldId id="261" r:id="rId4"/>
-    <p:sldId id="262" r:id="rId5"/>
-    <p:sldId id="259" r:id="rId6"/>
+    <p:sldId id="262" r:id="rId4"/>
+    <p:sldId id="259" r:id="rId5"/>
   </p:sldIdLst>
   <p:sldSz cx="9144000" cy="6858000" type="screen4x3"/>
   <p:notesSz cx="6858000" cy="9144000"/>
@@ -3008,8 +3007,8 @@
         </p:blipFill>
         <p:spPr>
           <a:xfrm>
-            <a:off x="0" y="1443182"/>
-            <a:ext cx="9143999" cy="3971636"/>
+            <a:off x="238308" y="1443182"/>
+            <a:ext cx="8667382" cy="3971636"/>
           </a:xfrm>
           <a:prstGeom prst="rect">
             <a:avLst/>
@@ -3230,15 +3229,7 @@
                 <a:ea typeface="Abadi MT Condensed Light" charset="0"/>
                 <a:cs typeface="Abadi MT Condensed Light" charset="0"/>
               </a:rPr>
-              <a:t>Run </a:t>
-            </a:r>
-            <a:r>
-              <a:rPr lang="en-US" sz="3600" dirty="0" smtClean="0">
-                <a:latin typeface="Abadi MT Condensed Light" charset="0"/>
-                <a:ea typeface="Abadi MT Condensed Light" charset="0"/>
-                <a:cs typeface="Abadi MT Condensed Light" charset="0"/>
-              </a:rPr>
-              <a:t>11841 </a:t>
+              <a:t>Run 11841 </a:t>
             </a:r>
             <a:r>
               <a:rPr lang="mr-IN" sz="3600" dirty="0" smtClean="0">
@@ -3502,8 +3493,8 @@
         </p:blipFill>
         <p:spPr>
           <a:xfrm>
-            <a:off x="0" y="1274477"/>
-            <a:ext cx="9144000" cy="4309046"/>
+            <a:off x="0" y="1333982"/>
+            <a:ext cx="9144000" cy="4190035"/>
           </a:xfrm>
           <a:prstGeom prst="rect">
             <a:avLst/>
@@ -3538,15 +3529,7 @@
                 <a:ea typeface="Abadi MT Condensed Light" charset="0"/>
                 <a:cs typeface="Abadi MT Condensed Light" charset="0"/>
               </a:rPr>
-              <a:t>Run </a:t>
-            </a:r>
-            <a:r>
-              <a:rPr lang="en-US" sz="3600" dirty="0" smtClean="0">
-                <a:latin typeface="Abadi MT Condensed Light" charset="0"/>
-                <a:ea typeface="Abadi MT Condensed Light" charset="0"/>
-                <a:cs typeface="Abadi MT Condensed Light" charset="0"/>
-              </a:rPr>
-              <a:t>11841 </a:t>
+              <a:t>Run 11841 </a:t>
             </a:r>
             <a:r>
               <a:rPr lang="mr-IN" sz="3600" dirty="0" smtClean="0">
@@ -3586,314 +3569,6 @@
 </file>
 
 <file path=ppt/slides/slide3.xml><?xml version="1.0" encoding="utf-8"?>
-<p:sld xmlns:a="http://schemas.openxmlformats.org/drawingml/2006/main" xmlns:r="http://schemas.openxmlformats.org/officeDocument/2006/relationships" xmlns:p="http://schemas.openxmlformats.org/presentationml/2006/main">
-  <p:cSld>
-    <p:spTree>
-      <p:nvGrpSpPr>
-        <p:cNvPr id="1" name=""/>
-        <p:cNvGrpSpPr/>
-        <p:nvPr/>
-      </p:nvGrpSpPr>
-      <p:grpSpPr>
-        <a:xfrm>
-          <a:off x="0" y="0"/>
-          <a:ext cx="0" cy="0"/>
-          <a:chOff x="0" y="0"/>
-          <a:chExt cx="0" cy="0"/>
-        </a:xfrm>
-      </p:grpSpPr>
-      <p:pic>
-        <p:nvPicPr>
-          <p:cNvPr id="2" name="Picture 1"/>
-          <p:cNvPicPr>
-            <a:picLocks noChangeAspect="1"/>
-          </p:cNvPicPr>
-          <p:nvPr/>
-        </p:nvPicPr>
-        <p:blipFill>
-          <a:blip r:embed="rId2">
-            <a:extLst>
-              <a:ext uri="{28A0092B-C50C-407E-A947-70E740481C1C}">
-                <a14:useLocalDpi xmlns:a14="http://schemas.microsoft.com/office/drawing/2010/main" val="0"/>
-              </a:ext>
-            </a:extLst>
-          </a:blip>
-          <a:stretch>
-            <a:fillRect/>
-          </a:stretch>
-        </p:blipFill>
-        <p:spPr>
-          <a:xfrm>
-            <a:off x="0" y="1260662"/>
-            <a:ext cx="9143999" cy="4336676"/>
-          </a:xfrm>
-          <a:prstGeom prst="rect">
-            <a:avLst/>
-          </a:prstGeom>
-        </p:spPr>
-      </p:pic>
-      <mc:AlternateContent xmlns:mc="http://schemas.openxmlformats.org/markup-compatibility/2006" xmlns:a14="http://schemas.microsoft.com/office/drawing/2010/main">
-        <mc:Choice Requires="a14">
-          <p:sp>
-            <p:nvSpPr>
-              <p:cNvPr id="7" name="TextBox 6"/>
-              <p:cNvSpPr txBox="1"/>
-              <p:nvPr/>
-            </p:nvSpPr>
-            <p:spPr>
-              <a:xfrm>
-                <a:off x="3298670" y="537961"/>
-                <a:ext cx="2546659" cy="413511"/>
-              </a:xfrm>
-              <a:prstGeom prst="rect">
-                <a:avLst/>
-              </a:prstGeom>
-              <a:noFill/>
-            </p:spPr>
-            <p:txBody>
-              <a:bodyPr wrap="none" rtlCol="0">
-                <a:spAutoFit/>
-              </a:bodyPr>
-              <a:lstStyle/>
-              <a:p>
-                <a14:m>
-                  <m:oMath xmlns:m="http://schemas.openxmlformats.org/officeDocument/2006/math">
-                    <m:r>
-                      <a:rPr lang="en-US" sz="2000" b="0" i="1" smtClean="0">
-                        <a:latin typeface="Cambria Math" charset="0"/>
-                        <a:ea typeface="Abadi MT Condensed Light" charset="0"/>
-                        <a:cs typeface="Abadi MT Condensed Light" charset="0"/>
-                      </a:rPr>
-                      <m:t>−25 </m:t>
-                    </m:r>
-                    <m:r>
-                      <a:rPr lang="en-US" sz="2000" b="0" i="1" smtClean="0">
-                        <a:latin typeface="Cambria Math" charset="0"/>
-                        <a:ea typeface="Cambria Math" charset="0"/>
-                        <a:cs typeface="Cambria Math" charset="0"/>
-                      </a:rPr>
-                      <m:t>≤</m:t>
-                    </m:r>
-                    <m:sSub>
-                      <m:sSubPr>
-                        <m:ctrlPr>
-                          <a:rPr lang="en-US" sz="2000" b="0" i="1" smtClean="0">
-                            <a:latin typeface="Cambria Math" charset="0"/>
-                            <a:ea typeface="Cambria Math" charset="0"/>
-                            <a:cs typeface="Cambria Math" charset="0"/>
-                          </a:rPr>
-                        </m:ctrlPr>
-                      </m:sSubPr>
-                      <m:e>
-                        <m:r>
-                          <a:rPr lang="en-US" sz="2000" b="0" i="1" smtClean="0">
-                            <a:latin typeface="Cambria Math" charset="0"/>
-                            <a:ea typeface="Cambria Math" charset="0"/>
-                            <a:cs typeface="Cambria Math" charset="0"/>
-                          </a:rPr>
-                          <m:t>𝑣</m:t>
-                        </m:r>
-                      </m:e>
-                      <m:sub>
-                        <m:r>
-                          <a:rPr lang="en-US" sz="2000" b="0" i="1" smtClean="0">
-                            <a:latin typeface="Cambria Math" charset="0"/>
-                            <a:ea typeface="Cambria Math" charset="0"/>
-                            <a:cs typeface="Cambria Math" charset="0"/>
-                          </a:rPr>
-                          <m:t>𝑧</m:t>
-                        </m:r>
-                        <m:r>
-                          <a:rPr lang="en-US" sz="2000" b="0" i="1" smtClean="0">
-                            <a:latin typeface="Cambria Math" charset="0"/>
-                            <a:ea typeface="Cambria Math" charset="0"/>
-                            <a:cs typeface="Cambria Math" charset="0"/>
-                          </a:rPr>
-                          <m:t>,</m:t>
-                        </m:r>
-                        <m:sSup>
-                          <m:sSupPr>
-                            <m:ctrlPr>
-                              <a:rPr lang="en-US" sz="2000" b="0" i="1" smtClean="0">
-                                <a:latin typeface="Cambria Math" charset="0"/>
-                                <a:ea typeface="Cambria Math" charset="0"/>
-                                <a:cs typeface="Cambria Math" charset="0"/>
-                              </a:rPr>
-                            </m:ctrlPr>
-                          </m:sSupPr>
-                          <m:e>
-                            <m:r>
-                              <a:rPr lang="en-US" sz="2000" b="0" i="1" smtClean="0">
-                                <a:latin typeface="Cambria Math" charset="0"/>
-                                <a:ea typeface="Cambria Math" charset="0"/>
-                                <a:cs typeface="Cambria Math" charset="0"/>
-                              </a:rPr>
-                              <m:t>𝑒</m:t>
-                            </m:r>
-                          </m:e>
-                          <m:sup>
-                            <m:r>
-                              <a:rPr lang="en-US" sz="2000" b="0" i="1" smtClean="0">
-                                <a:latin typeface="Cambria Math" charset="0"/>
-                                <a:ea typeface="Cambria Math" charset="0"/>
-                                <a:cs typeface="Cambria Math" charset="0"/>
-                              </a:rPr>
-                              <m:t>−</m:t>
-                            </m:r>
-                          </m:sup>
-                        </m:sSup>
-                        <m:r>
-                          <a:rPr lang="en-US" sz="2000" b="0" i="1" smtClean="0">
-                            <a:latin typeface="Cambria Math" charset="0"/>
-                            <a:ea typeface="Cambria Math" charset="0"/>
-                            <a:cs typeface="Cambria Math" charset="0"/>
-                          </a:rPr>
-                          <m:t> </m:t>
-                        </m:r>
-                      </m:sub>
-                    </m:sSub>
-                    <m:r>
-                      <a:rPr lang="en-US" sz="2000" b="0" i="1" smtClean="0">
-                        <a:latin typeface="Cambria Math" charset="0"/>
-                        <a:ea typeface="Cambria Math" charset="0"/>
-                        <a:cs typeface="Cambria Math" charset="0"/>
-                      </a:rPr>
-                      <m:t>≤20</m:t>
-                    </m:r>
-                  </m:oMath>
-                </a14:m>
-                <a:r>
-                  <a:rPr lang="en-US" sz="2000" dirty="0" smtClean="0">
-                    <a:latin typeface="Abadi MT Condensed Light" charset="0"/>
-                    <a:ea typeface="Abadi MT Condensed Light" charset="0"/>
-                    <a:cs typeface="Abadi MT Condensed Light" charset="0"/>
-                  </a:rPr>
-                  <a:t>cm </a:t>
-                </a:r>
-                <a:endParaRPr lang="en-US" sz="2000" dirty="0">
-                  <a:latin typeface="Abadi MT Condensed Light" charset="0"/>
-                  <a:ea typeface="Abadi MT Condensed Light" charset="0"/>
-                  <a:cs typeface="Abadi MT Condensed Light" charset="0"/>
-                </a:endParaRPr>
-              </a:p>
-            </p:txBody>
-          </p:sp>
-        </mc:Choice>
-        <mc:Fallback xmlns="">
-          <p:sp>
-            <p:nvSpPr>
-              <p:cNvPr id="7" name="TextBox 6"/>
-              <p:cNvSpPr txBox="1">
-                <a:spLocks noRot="1" noChangeAspect="1" noMove="1" noResize="1" noEditPoints="1" noAdjustHandles="1" noChangeArrowheads="1" noChangeShapeType="1" noTextEdit="1"/>
-              </p:cNvSpPr>
-              <p:nvPr/>
-            </p:nvSpPr>
-            <p:spPr>
-              <a:xfrm>
-                <a:off x="3298670" y="537961"/>
-                <a:ext cx="2546659" cy="413511"/>
-              </a:xfrm>
-              <a:prstGeom prst="rect">
-                <a:avLst/>
-              </a:prstGeom>
-              <a:blipFill rotWithShape="0">
-                <a:blip r:embed="rId3"/>
-                <a:stretch>
-                  <a:fillRect t="-94118" r="-1675" b="-119118"/>
-                </a:stretch>
-              </a:blipFill>
-            </p:spPr>
-            <p:txBody>
-              <a:bodyPr/>
-              <a:lstStyle/>
-              <a:p>
-                <a:r>
-                  <a:rPr lang="en-US">
-                    <a:noFill/>
-                  </a:rPr>
-                  <a:t> </a:t>
-                </a:r>
-              </a:p>
-            </p:txBody>
-          </p:sp>
-        </mc:Fallback>
-      </mc:AlternateContent>
-      <p:sp>
-        <p:nvSpPr>
-          <p:cNvPr id="8" name="TextBox 7"/>
-          <p:cNvSpPr txBox="1"/>
-          <p:nvPr/>
-        </p:nvSpPr>
-        <p:spPr>
-          <a:xfrm>
-            <a:off x="2492985" y="24714"/>
-            <a:ext cx="4523674" cy="646331"/>
-          </a:xfrm>
-          <a:prstGeom prst="rect">
-            <a:avLst/>
-          </a:prstGeom>
-          <a:noFill/>
-        </p:spPr>
-        <p:txBody>
-          <a:bodyPr wrap="none" rtlCol="0">
-            <a:spAutoFit/>
-          </a:bodyPr>
-          <a:lstStyle/>
-          <a:p>
-            <a:r>
-              <a:rPr lang="en-US" sz="3600" dirty="0" smtClean="0">
-                <a:latin typeface="Abadi MT Condensed Light" charset="0"/>
-                <a:ea typeface="Abadi MT Condensed Light" charset="0"/>
-                <a:cs typeface="Abadi MT Condensed Light" charset="0"/>
-              </a:rPr>
-              <a:t>Run </a:t>
-            </a:r>
-            <a:r>
-              <a:rPr lang="en-US" sz="3600" dirty="0" smtClean="0">
-                <a:latin typeface="Abadi MT Condensed Light" charset="0"/>
-                <a:ea typeface="Abadi MT Condensed Light" charset="0"/>
-                <a:cs typeface="Abadi MT Condensed Light" charset="0"/>
-              </a:rPr>
-              <a:t>11841 </a:t>
-            </a:r>
-            <a:r>
-              <a:rPr lang="mr-IN" sz="3600" dirty="0" smtClean="0">
-                <a:latin typeface="Abadi MT Condensed Light" charset="0"/>
-                <a:ea typeface="Abadi MT Condensed Light" charset="0"/>
-                <a:cs typeface="Abadi MT Condensed Light" charset="0"/>
-              </a:rPr>
-              <a:t>–</a:t>
-            </a:r>
-            <a:r>
-              <a:rPr lang="en-US" sz="3600" dirty="0" smtClean="0">
-                <a:latin typeface="Abadi MT Condensed Light" charset="0"/>
-                <a:ea typeface="Abadi MT Condensed Light" charset="0"/>
-                <a:cs typeface="Abadi MT Condensed Light" charset="0"/>
-              </a:rPr>
-              <a:t> RTPC Analysis</a:t>
-            </a:r>
-            <a:endParaRPr lang="en-US" sz="3600" dirty="0">
-              <a:latin typeface="Abadi MT Condensed Light" charset="0"/>
-              <a:ea typeface="Abadi MT Condensed Light" charset="0"/>
-              <a:cs typeface="Abadi MT Condensed Light" charset="0"/>
-            </a:endParaRPr>
-          </a:p>
-        </p:txBody>
-      </p:sp>
-    </p:spTree>
-    <p:extLst>
-      <p:ext uri="{BB962C8B-B14F-4D97-AF65-F5344CB8AC3E}">
-        <p14:creationId xmlns:p14="http://schemas.microsoft.com/office/powerpoint/2010/main" val="2007589964"/>
-      </p:ext>
-    </p:extLst>
-  </p:cSld>
-  <p:clrMapOvr>
-    <a:masterClrMapping/>
-  </p:clrMapOvr>
-</p:sld>
-</file>
-
-<file path=ppt/slides/slide4.xml><?xml version="1.0" encoding="utf-8"?>
 <p:sld xmlns:a="http://schemas.openxmlformats.org/drawingml/2006/main" xmlns:r="http://schemas.openxmlformats.org/officeDocument/2006/relationships" xmlns:p="http://schemas.openxmlformats.org/presentationml/2006/main">
   <p:cSld>
     <p:spTree>
@@ -3932,8 +3607,8 @@
         </p:blipFill>
         <p:spPr>
           <a:xfrm>
-            <a:off x="0" y="1260662"/>
-            <a:ext cx="9143999" cy="4336676"/>
+            <a:off x="0" y="1333983"/>
+            <a:ext cx="9143999" cy="4190034"/>
           </a:xfrm>
           <a:prstGeom prst="rect">
             <a:avLst/>
@@ -4154,15 +3829,7 @@
                 <a:ea typeface="Abadi MT Condensed Light" charset="0"/>
                 <a:cs typeface="Abadi MT Condensed Light" charset="0"/>
               </a:rPr>
-              <a:t>Run </a:t>
-            </a:r>
-            <a:r>
-              <a:rPr lang="en-US" sz="3600" dirty="0" smtClean="0">
-                <a:latin typeface="Abadi MT Condensed Light" charset="0"/>
-                <a:ea typeface="Abadi MT Condensed Light" charset="0"/>
-                <a:cs typeface="Abadi MT Condensed Light" charset="0"/>
-              </a:rPr>
-              <a:t>11841 </a:t>
+              <a:t>Run 11841 </a:t>
             </a:r>
             <a:r>
               <a:rPr lang="mr-IN" sz="3600" dirty="0" smtClean="0">
@@ -4201,7 +3868,7 @@
 </p:sld>
 </file>
 
-<file path=ppt/slides/slide5.xml><?xml version="1.0" encoding="utf-8"?>
+<file path=ppt/slides/slide4.xml><?xml version="1.0" encoding="utf-8"?>
 <p:sld xmlns:a="http://schemas.openxmlformats.org/drawingml/2006/main" xmlns:r="http://schemas.openxmlformats.org/officeDocument/2006/relationships" xmlns:p="http://schemas.openxmlformats.org/presentationml/2006/main">
   <p:cSld>
     <p:spTree>
@@ -4240,8 +3907,8 @@
         </p:blipFill>
         <p:spPr>
           <a:xfrm>
-            <a:off x="0" y="1260662"/>
-            <a:ext cx="9143999" cy="4336676"/>
+            <a:off x="0" y="1333983"/>
+            <a:ext cx="9143999" cy="4190034"/>
           </a:xfrm>
           <a:prstGeom prst="rect">
             <a:avLst/>
@@ -4462,15 +4129,7 @@
                 <a:ea typeface="Abadi MT Condensed Light" charset="0"/>
                 <a:cs typeface="Abadi MT Condensed Light" charset="0"/>
               </a:rPr>
-              <a:t>Run </a:t>
-            </a:r>
-            <a:r>
-              <a:rPr lang="en-US" sz="3600" dirty="0" smtClean="0">
-                <a:latin typeface="Abadi MT Condensed Light" charset="0"/>
-                <a:ea typeface="Abadi MT Condensed Light" charset="0"/>
-                <a:cs typeface="Abadi MT Condensed Light" charset="0"/>
-              </a:rPr>
-              <a:t>11841 </a:t>
+              <a:t>Run 11841 </a:t>
             </a:r>
             <a:r>
               <a:rPr lang="mr-IN" sz="3600" dirty="0" smtClean="0">
